--- a/DOCS/Overall Pipeline architecturev3.pptx
+++ b/DOCS/Overall Pipeline architecturev3.pptx
@@ -255,7 +255,7 @@
           <a:p>
             <a:fld id="{91CB9940-A2A2-40AB-BDEC-9DE831B9767A}" type="datetimeFigureOut">
               <a:rPr lang="en-CA" smtClean="0"/>
-              <a:t>2020-07-22</a:t>
+              <a:t>2020-07-23</a:t>
             </a:fld>
             <a:endParaRPr lang="en-CA"/>
           </a:p>
@@ -425,7 +425,7 @@
           <a:p>
             <a:fld id="{91CB9940-A2A2-40AB-BDEC-9DE831B9767A}" type="datetimeFigureOut">
               <a:rPr lang="en-CA" smtClean="0"/>
-              <a:t>2020-07-22</a:t>
+              <a:t>2020-07-23</a:t>
             </a:fld>
             <a:endParaRPr lang="en-CA"/>
           </a:p>
@@ -605,7 +605,7 @@
           <a:p>
             <a:fld id="{91CB9940-A2A2-40AB-BDEC-9DE831B9767A}" type="datetimeFigureOut">
               <a:rPr lang="en-CA" smtClean="0"/>
-              <a:t>2020-07-22</a:t>
+              <a:t>2020-07-23</a:t>
             </a:fld>
             <a:endParaRPr lang="en-CA"/>
           </a:p>
@@ -775,7 +775,7 @@
           <a:p>
             <a:fld id="{91CB9940-A2A2-40AB-BDEC-9DE831B9767A}" type="datetimeFigureOut">
               <a:rPr lang="en-CA" smtClean="0"/>
-              <a:t>2020-07-22</a:t>
+              <a:t>2020-07-23</a:t>
             </a:fld>
             <a:endParaRPr lang="en-CA"/>
           </a:p>
@@ -1021,7 +1021,7 @@
           <a:p>
             <a:fld id="{91CB9940-A2A2-40AB-BDEC-9DE831B9767A}" type="datetimeFigureOut">
               <a:rPr lang="en-CA" smtClean="0"/>
-              <a:t>2020-07-22</a:t>
+              <a:t>2020-07-23</a:t>
             </a:fld>
             <a:endParaRPr lang="en-CA"/>
           </a:p>
@@ -1253,7 +1253,7 @@
           <a:p>
             <a:fld id="{91CB9940-A2A2-40AB-BDEC-9DE831B9767A}" type="datetimeFigureOut">
               <a:rPr lang="en-CA" smtClean="0"/>
-              <a:t>2020-07-22</a:t>
+              <a:t>2020-07-23</a:t>
             </a:fld>
             <a:endParaRPr lang="en-CA"/>
           </a:p>
@@ -1620,7 +1620,7 @@
           <a:p>
             <a:fld id="{91CB9940-A2A2-40AB-BDEC-9DE831B9767A}" type="datetimeFigureOut">
               <a:rPr lang="en-CA" smtClean="0"/>
-              <a:t>2020-07-22</a:t>
+              <a:t>2020-07-23</a:t>
             </a:fld>
             <a:endParaRPr lang="en-CA"/>
           </a:p>
@@ -1738,7 +1738,7 @@
           <a:p>
             <a:fld id="{91CB9940-A2A2-40AB-BDEC-9DE831B9767A}" type="datetimeFigureOut">
               <a:rPr lang="en-CA" smtClean="0"/>
-              <a:t>2020-07-22</a:t>
+              <a:t>2020-07-23</a:t>
             </a:fld>
             <a:endParaRPr lang="en-CA"/>
           </a:p>
@@ -1833,7 +1833,7 @@
           <a:p>
             <a:fld id="{91CB9940-A2A2-40AB-BDEC-9DE831B9767A}" type="datetimeFigureOut">
               <a:rPr lang="en-CA" smtClean="0"/>
-              <a:t>2020-07-22</a:t>
+              <a:t>2020-07-23</a:t>
             </a:fld>
             <a:endParaRPr lang="en-CA"/>
           </a:p>
@@ -2110,7 +2110,7 @@
           <a:p>
             <a:fld id="{91CB9940-A2A2-40AB-BDEC-9DE831B9767A}" type="datetimeFigureOut">
               <a:rPr lang="en-CA" smtClean="0"/>
-              <a:t>2020-07-22</a:t>
+              <a:t>2020-07-23</a:t>
             </a:fld>
             <a:endParaRPr lang="en-CA"/>
           </a:p>
@@ -2363,7 +2363,7 @@
           <a:p>
             <a:fld id="{91CB9940-A2A2-40AB-BDEC-9DE831B9767A}" type="datetimeFigureOut">
               <a:rPr lang="en-CA" smtClean="0"/>
-              <a:t>2020-07-22</a:t>
+              <a:t>2020-07-23</a:t>
             </a:fld>
             <a:endParaRPr lang="en-CA"/>
           </a:p>
@@ -2576,7 +2576,7 @@
           <a:p>
             <a:fld id="{91CB9940-A2A2-40AB-BDEC-9DE831B9767A}" type="datetimeFigureOut">
               <a:rPr lang="en-CA" smtClean="0"/>
-              <a:t>2020-07-22</a:t>
+              <a:t>2020-07-23</a:t>
             </a:fld>
             <a:endParaRPr lang="en-CA"/>
           </a:p>
@@ -3468,8 +3468,8 @@
         </p:nvSpPr>
         <p:spPr>
           <a:xfrm>
-            <a:off x="1485851" y="1335357"/>
-            <a:ext cx="8989570" cy="4426056"/>
+            <a:off x="1485850" y="1335356"/>
+            <a:ext cx="9791749" cy="4855893"/>
           </a:xfrm>
           <a:prstGeom prst="rect">
             <a:avLst/>
@@ -3605,8 +3605,8 @@
         </p:nvSpPr>
         <p:spPr>
           <a:xfrm>
-            <a:off x="1645920" y="1809629"/>
-            <a:ext cx="8648699" cy="3768904"/>
+            <a:off x="1645920" y="1809628"/>
+            <a:ext cx="9526905" cy="4172071"/>
           </a:xfrm>
           <a:prstGeom prst="rect">
             <a:avLst/>
@@ -3707,8 +3707,8 @@
         </p:nvSpPr>
         <p:spPr>
           <a:xfrm>
-            <a:off x="1805940" y="2275143"/>
-            <a:ext cx="8305800" cy="3163606"/>
+            <a:off x="1805940" y="2275142"/>
+            <a:ext cx="9262110" cy="3592257"/>
           </a:xfrm>
           <a:prstGeom prst="rect">
             <a:avLst/>
@@ -3817,7 +3817,7 @@
         </p:nvSpPr>
         <p:spPr>
           <a:xfrm>
-            <a:off x="3456924" y="3306822"/>
+            <a:off x="3562119" y="3744296"/>
             <a:ext cx="1091917" cy="461665"/>
           </a:xfrm>
           <a:prstGeom prst="rect">
@@ -3882,7 +3882,7 @@
         </p:blipFill>
         <p:spPr>
           <a:xfrm>
-            <a:off x="2974892" y="3548385"/>
+            <a:off x="2653513" y="3960459"/>
             <a:ext cx="491005" cy="491005"/>
           </a:xfrm>
           <a:prstGeom prst="rect">
@@ -3903,8 +3903,8 @@
           <p:nvPr/>
         </p:nvSpPr>
         <p:spPr>
-          <a:xfrm>
-            <a:off x="3934982" y="4144784"/>
+          <a:xfrm rot="548094">
+            <a:off x="6415740" y="4281048"/>
             <a:ext cx="2301904" cy="461665"/>
           </a:xfrm>
           <a:prstGeom prst="rect">
@@ -3969,7 +3969,7 @@
         </p:blipFill>
         <p:spPr>
           <a:xfrm>
-            <a:off x="4757504" y="3556690"/>
+            <a:off x="5276490" y="3922635"/>
             <a:ext cx="469900" cy="469900"/>
           </a:xfrm>
           <a:prstGeom prst="rect">
@@ -3991,7 +3991,7 @@
         </p:nvSpPr>
         <p:spPr>
           <a:xfrm>
-            <a:off x="6757229" y="2462437"/>
+            <a:off x="8572937" y="2701897"/>
             <a:ext cx="1267144" cy="461665"/>
           </a:xfrm>
           <a:prstGeom prst="rect">
@@ -4061,7 +4061,7 @@
         </p:blipFill>
         <p:spPr>
           <a:xfrm>
-            <a:off x="7238481" y="2978601"/>
+            <a:off x="9054189" y="3218061"/>
             <a:ext cx="421877" cy="421877"/>
           </a:xfrm>
           <a:prstGeom prst="rect">
@@ -4097,7 +4097,7 @@
         </p:blipFill>
         <p:spPr>
           <a:xfrm>
-            <a:off x="7238481" y="3972887"/>
+            <a:off x="9144192" y="4437323"/>
             <a:ext cx="469900" cy="469900"/>
           </a:xfrm>
           <a:prstGeom prst="rect">
@@ -4121,8 +4121,8 @@
         </p:nvCxnSpPr>
         <p:spPr>
           <a:xfrm>
-            <a:off x="3580549" y="3793887"/>
-            <a:ext cx="900011" cy="0"/>
+            <a:off x="3259170" y="4205961"/>
+            <a:ext cx="1774279" cy="0"/>
           </a:xfrm>
           <a:prstGeom prst="straightConnector1">
             <a:avLst/>
@@ -4164,7 +4164,7 @@
         </p:nvSpPr>
         <p:spPr>
           <a:xfrm>
-            <a:off x="2557290" y="4099807"/>
+            <a:off x="2235911" y="4511881"/>
             <a:ext cx="1326208" cy="646331"/>
           </a:xfrm>
           <a:prstGeom prst="rect">
@@ -4226,7 +4226,7 @@
         </p:nvSpPr>
         <p:spPr>
           <a:xfrm>
-            <a:off x="6322479" y="4497286"/>
+            <a:off x="8228190" y="4961722"/>
             <a:ext cx="2301904" cy="461665"/>
           </a:xfrm>
           <a:prstGeom prst="rect">
@@ -4279,8 +4279,8 @@
         </p:nvCxnSpPr>
         <p:spPr>
           <a:xfrm flipV="1">
-            <a:off x="5336875" y="3189539"/>
-            <a:ext cx="1734485" cy="504542"/>
+            <a:off x="5989431" y="3428999"/>
+            <a:ext cx="2897637" cy="623380"/>
           </a:xfrm>
           <a:prstGeom prst="straightConnector1">
             <a:avLst/>
@@ -4324,8 +4324,8 @@
         </p:nvCxnSpPr>
         <p:spPr>
           <a:xfrm>
-            <a:off x="5336875" y="3856947"/>
-            <a:ext cx="1718727" cy="350890"/>
+            <a:off x="5989431" y="4269792"/>
+            <a:ext cx="2897637" cy="466805"/>
           </a:xfrm>
           <a:prstGeom prst="straightConnector1">
             <a:avLst/>
@@ -4353,6 +4353,57 @@
           </a:fontRef>
         </p:style>
       </p:cxnSp>
+      <p:sp>
+        <p:nvSpPr>
+          <p:cNvPr id="21" name="TextBox 35">
+            <a:extLst>
+              <a:ext uri="{FF2B5EF4-FFF2-40B4-BE49-F238E27FC236}">
+                <a16:creationId xmlns:a16="http://schemas.microsoft.com/office/drawing/2014/main" id="{B28BD9AF-47E4-4675-86FF-0061CF96C707}"/>
+              </a:ext>
+            </a:extLst>
+          </p:cNvPr>
+          <p:cNvSpPr txBox="1"/>
+          <p:nvPr/>
+        </p:nvSpPr>
+        <p:spPr>
+          <a:xfrm>
+            <a:off x="4788110" y="4357068"/>
+            <a:ext cx="1520043" cy="461665"/>
+          </a:xfrm>
+          <a:prstGeom prst="rect">
+            <a:avLst/>
+          </a:prstGeom>
+          <a:noFill/>
+        </p:spPr>
+        <p:txBody>
+          <a:bodyPr wrap="square" rtlCol="0">
+            <a:spAutoFit/>
+          </a:bodyPr>
+          <a:lstStyle/>
+          <a:p>
+            <a:pPr algn="ctr"/>
+            <a:r>
+              <a:rPr lang="en-US" sz="1200" b="1" i="1" dirty="0">
+                <a:solidFill>
+                  <a:srgbClr val="FB9701"/>
+                </a:solidFill>
+              </a:rPr>
+              <a:t>Function :</a:t>
+            </a:r>
+          </a:p>
+          <a:p>
+            <a:pPr algn="ctr"/>
+            <a:r>
+              <a:rPr lang="en-US" sz="1200" b="1" i="1" dirty="0">
+                <a:solidFill>
+                  <a:srgbClr val="FB9701"/>
+                </a:solidFill>
+              </a:rPr>
+              <a:t>ACL Conversion</a:t>
+            </a:r>
+          </a:p>
+        </p:txBody>
+      </p:sp>
     </p:spTree>
     <p:extLst>
       <p:ext uri="{BB962C8B-B14F-4D97-AF65-F5344CB8AC3E}">
@@ -4419,7 +4470,7 @@
                   <a:schemeClr val="bg1"/>
                 </a:solidFill>
               </a:rPr>
-              <a:t>Lambda test distribution Architecture :</a:t>
+              <a:t>Lambda test distribution Architecture</a:t>
             </a:r>
           </a:p>
         </p:txBody>
@@ -17551,193 +17602,6 @@
                 </a:solidFill>
               </a:rPr>
               <a:t>”Wrapper” Role </a:t>
-            </a:r>
-          </a:p>
-        </p:txBody>
-      </p:sp>
-      <p:sp>
-        <p:nvSpPr>
-          <p:cNvPr id="240" name="TextBox 87">
-            <a:extLst>
-              <a:ext uri="{FF2B5EF4-FFF2-40B4-BE49-F238E27FC236}">
-                <a16:creationId xmlns:a16="http://schemas.microsoft.com/office/drawing/2014/main" id="{3CBCB313-CD20-43D0-8B86-9840FC2B7F36}"/>
-              </a:ext>
-            </a:extLst>
-          </p:cNvPr>
-          <p:cNvSpPr txBox="1"/>
-          <p:nvPr/>
-        </p:nvSpPr>
-        <p:spPr>
-          <a:xfrm>
-            <a:off x="238706" y="6231705"/>
-            <a:ext cx="11363267" cy="523220"/>
-          </a:xfrm>
-          <a:prstGeom prst="rect">
-            <a:avLst/>
-          </a:prstGeom>
-          <a:noFill/>
-        </p:spPr>
-        <p:txBody>
-          <a:bodyPr wrap="square" rtlCol="0">
-            <a:spAutoFit/>
-          </a:bodyPr>
-          <a:lstStyle/>
-          <a:p>
-            <a:pPr lvl="0">
-              <a:defRPr/>
-            </a:pPr>
-            <a:r>
-              <a:rPr kumimoji="0" lang="en-US" sz="1400" b="0" i="0" u="sng" strike="noStrike" kern="1200" cap="none" spc="0" normalizeH="0" baseline="0" noProof="0" dirty="0">
-                <a:ln>
-                  <a:noFill/>
-                </a:ln>
-                <a:solidFill>
-                  <a:prstClr val="white"/>
-                </a:solidFill>
-                <a:effectLst/>
-                <a:uLnTx/>
-                <a:uFillTx/>
-                <a:latin typeface="Calibri" panose="020F0502020204030204"/>
-                <a:ea typeface="+mn-ea"/>
-                <a:cs typeface="+mn-cs"/>
-              </a:rPr>
-              <a:t>NB :</a:t>
-            </a:r>
-            <a:r>
-              <a:rPr kumimoji="0" lang="en-US" sz="1400" b="0" i="0" u="none" strike="noStrike" kern="1200" cap="none" spc="0" normalizeH="0" baseline="0" noProof="0" dirty="0">
-                <a:ln>
-                  <a:noFill/>
-                </a:ln>
-                <a:solidFill>
-                  <a:prstClr val="white"/>
-                </a:solidFill>
-                <a:effectLst/>
-                <a:uLnTx/>
-                <a:uFillTx/>
-                <a:latin typeface="Calibri" panose="020F0502020204030204"/>
-                <a:ea typeface="+mn-ea"/>
-                <a:cs typeface="+mn-cs"/>
-              </a:rPr>
-              <a:t>  All Warnings and intercepted errors are written in custom log &amp; </a:t>
-            </a:r>
-            <a:r>
-              <a:rPr lang="en-US" sz="1400" dirty="0">
-                <a:solidFill>
-                  <a:prstClr val="white"/>
-                </a:solidFill>
-                <a:latin typeface="Calibri" panose="020F0502020204030204"/>
-              </a:rPr>
-              <a:t>C</a:t>
-            </a:r>
-            <a:r>
-              <a:rPr kumimoji="0" lang="en-US" sz="1400" b="0" i="0" u="none" strike="noStrike" kern="1200" cap="none" spc="0" normalizeH="0" baseline="0" noProof="0" dirty="0">
-                <a:ln>
-                  <a:noFill/>
-                </a:ln>
-                <a:solidFill>
-                  <a:prstClr val="white"/>
-                </a:solidFill>
-                <a:effectLst/>
-                <a:uLnTx/>
-                <a:uFillTx/>
-                <a:latin typeface="Calibri" panose="020F0502020204030204"/>
-                <a:ea typeface="+mn-ea"/>
-                <a:cs typeface="+mn-cs"/>
-              </a:rPr>
-              <a:t>loud Watch logs</a:t>
-            </a:r>
-            <a:r>
-              <a:rPr lang="en-US" sz="1400" dirty="0">
-                <a:solidFill>
-                  <a:prstClr val="white"/>
-                </a:solidFill>
-              </a:rPr>
-              <a:t> whatsoever manner it may exit. </a:t>
-            </a:r>
-            <a:endParaRPr kumimoji="0" lang="en-US" sz="1400" b="0" i="0" u="none" strike="noStrike" kern="1200" cap="none" spc="0" normalizeH="0" baseline="0" noProof="0" dirty="0">
-              <a:ln>
-                <a:noFill/>
-              </a:ln>
-              <a:solidFill>
-                <a:prstClr val="white"/>
-              </a:solidFill>
-              <a:effectLst/>
-              <a:uLnTx/>
-              <a:uFillTx/>
-              <a:latin typeface="Calibri" panose="020F0502020204030204"/>
-              <a:ea typeface="+mn-ea"/>
-              <a:cs typeface="+mn-cs"/>
-            </a:endParaRPr>
-          </a:p>
-          <a:p>
-            <a:pPr marL="0" marR="0" lvl="0" indent="0" defTabSz="914400" rtl="0" eaLnBrk="1" fontAlgn="auto" latinLnBrk="0" hangingPunct="1">
-              <a:lnSpc>
-                <a:spcPct val="100000"/>
-              </a:lnSpc>
-              <a:spcBef>
-                <a:spcPts val="0"/>
-              </a:spcBef>
-              <a:spcAft>
-                <a:spcPts val="0"/>
-              </a:spcAft>
-              <a:buClrTx/>
-              <a:buSzTx/>
-              <a:buFontTx/>
-              <a:buNone/>
-              <a:tabLst/>
-              <a:defRPr/>
-            </a:pPr>
-            <a:r>
-              <a:rPr lang="en-US" sz="1400" dirty="0">
-                <a:solidFill>
-                  <a:prstClr val="white"/>
-                </a:solidFill>
-                <a:latin typeface="Calibri" panose="020F0502020204030204"/>
-              </a:rPr>
-              <a:t>         </a:t>
-            </a:r>
-            <a:r>
-              <a:rPr kumimoji="0" lang="en-US" sz="1400" b="0" i="0" u="none" strike="noStrike" kern="1200" cap="none" spc="0" normalizeH="0" baseline="0" noProof="0" dirty="0">
-                <a:ln>
-                  <a:noFill/>
-                </a:ln>
-                <a:solidFill>
-                  <a:prstClr val="white"/>
-                </a:solidFill>
-                <a:effectLst/>
-                <a:uLnTx/>
-                <a:uFillTx/>
-                <a:latin typeface="Calibri" panose="020F0502020204030204"/>
-                <a:ea typeface="+mn-ea"/>
-                <a:cs typeface="+mn-cs"/>
-              </a:rPr>
-              <a:t>Custom SNS Message always</a:t>
-            </a:r>
-            <a:r>
-              <a:rPr lang="en-US" sz="1400" dirty="0">
-                <a:solidFill>
-                  <a:prstClr val="white"/>
-                </a:solidFill>
-                <a:latin typeface="Calibri" panose="020F0502020204030204"/>
-              </a:rPr>
-              <a:t> transmit a copy of current custom logs.</a:t>
-            </a:r>
-            <a:r>
-              <a:rPr kumimoji="0" lang="en-US" sz="1400" b="0" i="0" u="none" strike="noStrike" kern="1200" cap="none" spc="0" normalizeH="0" baseline="0" noProof="0" dirty="0">
-                <a:ln>
-                  <a:noFill/>
-                </a:ln>
-                <a:solidFill>
-                  <a:prstClr val="white"/>
-                </a:solidFill>
-                <a:effectLst/>
-                <a:uLnTx/>
-                <a:uFillTx/>
-                <a:latin typeface="Calibri" panose="020F0502020204030204"/>
-                <a:ea typeface="+mn-ea"/>
-                <a:cs typeface="+mn-cs"/>
-              </a:rPr>
-              <a:t> </a:t>
             </a:r>
           </a:p>
         </p:txBody>
